--- a/preview/TIFFAlign_preview_vertical.pptx
+++ b/preview/TIFFAlign_preview_vertical.pptx
@@ -243,7 +243,7 @@
           <a:p>
             <a:fld id="{B2B9CDFC-DE88-FC46-9980-4DF0E89A0448}" type="datetimeFigureOut">
               <a:rPr lang="en-US" smtClean="0"/>
-              <a:t>9/15/25</a:t>
+              <a:t>10/31/25</a:t>
             </a:fld>
             <a:endParaRPr lang="en-US"/>
           </a:p>
@@ -413,7 +413,7 @@
           <a:p>
             <a:fld id="{B2B9CDFC-DE88-FC46-9980-4DF0E89A0448}" type="datetimeFigureOut">
               <a:rPr lang="en-US" smtClean="0"/>
-              <a:t>9/15/25</a:t>
+              <a:t>10/31/25</a:t>
             </a:fld>
             <a:endParaRPr lang="en-US"/>
           </a:p>
@@ -593,7 +593,7 @@
           <a:p>
             <a:fld id="{B2B9CDFC-DE88-FC46-9980-4DF0E89A0448}" type="datetimeFigureOut">
               <a:rPr lang="en-US" smtClean="0"/>
-              <a:t>9/15/25</a:t>
+              <a:t>10/31/25</a:t>
             </a:fld>
             <a:endParaRPr lang="en-US"/>
           </a:p>
@@ -763,7 +763,7 @@
           <a:p>
             <a:fld id="{B2B9CDFC-DE88-FC46-9980-4DF0E89A0448}" type="datetimeFigureOut">
               <a:rPr lang="en-US" smtClean="0"/>
-              <a:t>9/15/25</a:t>
+              <a:t>10/31/25</a:t>
             </a:fld>
             <a:endParaRPr lang="en-US"/>
           </a:p>
@@ -1007,7 +1007,7 @@
           <a:p>
             <a:fld id="{B2B9CDFC-DE88-FC46-9980-4DF0E89A0448}" type="datetimeFigureOut">
               <a:rPr lang="en-US" smtClean="0"/>
-              <a:t>9/15/25</a:t>
+              <a:t>10/31/25</a:t>
             </a:fld>
             <a:endParaRPr lang="en-US"/>
           </a:p>
@@ -1239,7 +1239,7 @@
           <a:p>
             <a:fld id="{B2B9CDFC-DE88-FC46-9980-4DF0E89A0448}" type="datetimeFigureOut">
               <a:rPr lang="en-US" smtClean="0"/>
-              <a:t>9/15/25</a:t>
+              <a:t>10/31/25</a:t>
             </a:fld>
             <a:endParaRPr lang="en-US"/>
           </a:p>
@@ -1606,7 +1606,7 @@
           <a:p>
             <a:fld id="{B2B9CDFC-DE88-FC46-9980-4DF0E89A0448}" type="datetimeFigureOut">
               <a:rPr lang="en-US" smtClean="0"/>
-              <a:t>9/15/25</a:t>
+              <a:t>10/31/25</a:t>
             </a:fld>
             <a:endParaRPr lang="en-US"/>
           </a:p>
@@ -1724,7 +1724,7 @@
           <a:p>
             <a:fld id="{B2B9CDFC-DE88-FC46-9980-4DF0E89A0448}" type="datetimeFigureOut">
               <a:rPr lang="en-US" smtClean="0"/>
-              <a:t>9/15/25</a:t>
+              <a:t>10/31/25</a:t>
             </a:fld>
             <a:endParaRPr lang="en-US"/>
           </a:p>
@@ -1819,7 +1819,7 @@
           <a:p>
             <a:fld id="{B2B9CDFC-DE88-FC46-9980-4DF0E89A0448}" type="datetimeFigureOut">
               <a:rPr lang="en-US" smtClean="0"/>
-              <a:t>9/15/25</a:t>
+              <a:t>10/31/25</a:t>
             </a:fld>
             <a:endParaRPr lang="en-US"/>
           </a:p>
@@ -2096,7 +2096,7 @@
           <a:p>
             <a:fld id="{B2B9CDFC-DE88-FC46-9980-4DF0E89A0448}" type="datetimeFigureOut">
               <a:rPr lang="en-US" smtClean="0"/>
-              <a:t>9/15/25</a:t>
+              <a:t>10/31/25</a:t>
             </a:fld>
             <a:endParaRPr lang="en-US"/>
           </a:p>
@@ -2353,7 +2353,7 @@
           <a:p>
             <a:fld id="{B2B9CDFC-DE88-FC46-9980-4DF0E89A0448}" type="datetimeFigureOut">
               <a:rPr lang="en-US" smtClean="0"/>
-              <a:t>9/15/25</a:t>
+              <a:t>10/31/25</a:t>
             </a:fld>
             <a:endParaRPr lang="en-US"/>
           </a:p>
@@ -2566,7 +2566,7 @@
           <a:p>
             <a:fld id="{B2B9CDFC-DE88-FC46-9980-4DF0E89A0448}" type="datetimeFigureOut">
               <a:rPr lang="en-US" smtClean="0"/>
-              <a:t>9/15/25</a:t>
+              <a:t>10/31/25</a:t>
             </a:fld>
             <a:endParaRPr lang="en-US"/>
           </a:p>
@@ -2985,7 +2985,7 @@
         </p:nvSpPr>
         <p:spPr>
           <a:xfrm>
-            <a:off x="877944" y="1738193"/>
+            <a:off x="930950" y="1539410"/>
             <a:ext cx="8416281" cy="1077218"/>
           </a:xfrm>
           <a:prstGeom prst="rect">
@@ -3028,7 +3028,7 @@
         </p:nvSpPr>
         <p:spPr>
           <a:xfrm>
-            <a:off x="824936" y="605262"/>
+            <a:off x="877942" y="406479"/>
             <a:ext cx="9043877" cy="1107996"/>
           </a:xfrm>
           <a:prstGeom prst="rect">
@@ -3073,14 +3073,13 @@
         </p:nvPicPr>
         <p:blipFill>
           <a:blip r:embed="rId2"/>
-          <a:stretch>
-            <a:fillRect/>
-          </a:stretch>
+          <a:srcRect/>
+          <a:stretch/>
         </p:blipFill>
         <p:spPr>
           <a:xfrm>
-            <a:off x="183801" y="2841915"/>
-            <a:ext cx="10432159" cy="11795539"/>
+            <a:off x="366066" y="2641563"/>
+            <a:ext cx="10067630" cy="11795539"/>
           </a:xfrm>
           <a:prstGeom prst="rect">
             <a:avLst/>
